--- a/Uber_vs_Lyft_cab_prices_final.pptx
+++ b/Uber_vs_Lyft_cab_prices_final.pptx
@@ -14,6 +14,7 @@
     <p:sldId id="259" r:id="rId8"/>
     <p:sldId id="263" r:id="rId9"/>
     <p:sldId id="264" r:id="rId10"/>
+    <p:sldId id="265" r:id="rId11"/>
   </p:sldIdLst>
   <p:sldSz cx="12192000" cy="6858000"/>
   <p:notesSz cx="6858000" cy="9144000"/>
@@ -4152,6 +4153,107 @@
 </p:sld>
 </file>
 
+<file path=ppt/slides/slide10.xml><?xml version="1.0" encoding="utf-8"?>
+<p:sld xmlns:a="http://schemas.openxmlformats.org/drawingml/2006/main" xmlns:r="http://schemas.openxmlformats.org/officeDocument/2006/relationships" xmlns:p="http://schemas.openxmlformats.org/presentationml/2006/main">
+  <p:cSld>
+    <p:spTree>
+      <p:nvGrpSpPr>
+        <p:cNvPr id="1" name=""/>
+        <p:cNvGrpSpPr/>
+        <p:nvPr/>
+      </p:nvGrpSpPr>
+      <p:grpSpPr>
+        <a:xfrm>
+          <a:off x="0" y="0"/>
+          <a:ext cx="0" cy="0"/>
+          <a:chOff x="0" y="0"/>
+          <a:chExt cx="0" cy="0"/>
+        </a:xfrm>
+      </p:grpSpPr>
+      <p:sp>
+        <p:nvSpPr>
+          <p:cNvPr id="2" name="Title 1">
+            <a:extLst>
+              <a:ext uri="{FF2B5EF4-FFF2-40B4-BE49-F238E27FC236}">
+                <a16:creationId xmlns:a16="http://schemas.microsoft.com/office/drawing/2014/main" id="{940C9E84-70B6-4430-B399-B4196C29EE3C}"/>
+              </a:ext>
+            </a:extLst>
+          </p:cNvPr>
+          <p:cNvSpPr>
+            <a:spLocks noGrp="1"/>
+          </p:cNvSpPr>
+          <p:nvPr>
+            <p:ph type="title"/>
+          </p:nvPr>
+        </p:nvSpPr>
+        <p:spPr/>
+        <p:txBody>
+          <a:bodyPr/>
+          <a:lstStyle/>
+          <a:p>
+            <a:r>
+              <a:rPr lang="en-US" dirty="0"/>
+              <a:t>Resources</a:t>
+            </a:r>
+          </a:p>
+        </p:txBody>
+      </p:sp>
+      <p:sp>
+        <p:nvSpPr>
+          <p:cNvPr id="3" name="Content Placeholder 2">
+            <a:extLst>
+              <a:ext uri="{FF2B5EF4-FFF2-40B4-BE49-F238E27FC236}">
+                <a16:creationId xmlns:a16="http://schemas.microsoft.com/office/drawing/2014/main" id="{A2870676-E262-4CCF-B83B-7CC0091E5CFE}"/>
+              </a:ext>
+            </a:extLst>
+          </p:cNvPr>
+          <p:cNvSpPr>
+            <a:spLocks noGrp="1"/>
+          </p:cNvSpPr>
+          <p:nvPr>
+            <p:ph idx="1"/>
+          </p:nvPr>
+        </p:nvSpPr>
+        <p:spPr/>
+        <p:txBody>
+          <a:bodyPr/>
+          <a:lstStyle/>
+          <a:p>
+            <a:r>
+              <a:rPr lang="en-US" dirty="0">
+                <a:hlinkClick r:id="rId2"/>
+              </a:rPr>
+              <a:t>https://www.kaggle.com/fivethirtyeight/uber-pickups-in-new-york-city</a:t>
+            </a:r>
+            <a:endParaRPr lang="en-US" dirty="0"/>
+          </a:p>
+          <a:p>
+            <a:r>
+              <a:rPr lang="en-US" dirty="0">
+                <a:hlinkClick r:id="rId3"/>
+              </a:rPr>
+              <a:t>https://www.kaggle.com/ravi72munde/uber-lyft-cab-prices</a:t>
+            </a:r>
+            <a:endParaRPr lang="en-US" dirty="0"/>
+          </a:p>
+          <a:p>
+            <a:endParaRPr lang="en-US" dirty="0"/>
+          </a:p>
+        </p:txBody>
+      </p:sp>
+    </p:spTree>
+    <p:extLst>
+      <p:ext uri="{BB962C8B-B14F-4D97-AF65-F5344CB8AC3E}">
+        <p14:creationId xmlns:p14="http://schemas.microsoft.com/office/powerpoint/2010/main" val="3552615960"/>
+      </p:ext>
+    </p:extLst>
+  </p:cSld>
+  <p:clrMapOvr>
+    <a:masterClrMapping/>
+  </p:clrMapOvr>
+</p:sld>
+</file>
+
 <file path=ppt/slides/slide2.xml><?xml version="1.0" encoding="utf-8"?>
 <p:sld xmlns:a="http://schemas.openxmlformats.org/drawingml/2006/main" xmlns:r="http://schemas.openxmlformats.org/officeDocument/2006/relationships" xmlns:p="http://schemas.openxmlformats.org/presentationml/2006/main">
   <p:cSld>
@@ -7404,6 +7506,45 @@
           </a:p>
         </p:txBody>
       </p:sp>
+      <p:sp>
+        <p:nvSpPr>
+          <p:cNvPr id="6" name="Title 1">
+            <a:extLst>
+              <a:ext uri="{FF2B5EF4-FFF2-40B4-BE49-F238E27FC236}">
+                <a16:creationId xmlns:a16="http://schemas.microsoft.com/office/drawing/2014/main" id="{B427AD0B-60CE-4E17-B7EA-BE84C70D82BC}"/>
+              </a:ext>
+            </a:extLst>
+          </p:cNvPr>
+          <p:cNvSpPr>
+            <a:spLocks noGrp="1"/>
+          </p:cNvSpPr>
+          <p:nvPr>
+            <p:ph type="title"/>
+          </p:nvPr>
+        </p:nvSpPr>
+        <p:spPr>
+          <a:xfrm>
+            <a:off x="8471424" y="1110882"/>
+            <a:ext cx="3053039" cy="1060817"/>
+          </a:xfrm>
+        </p:spPr>
+        <p:txBody>
+          <a:bodyPr anchor="b">
+            <a:noAutofit/>
+          </a:bodyPr>
+          <a:lstStyle/>
+          <a:p>
+            <a:r>
+              <a:rPr lang="en-US" sz="2000" u="sng" dirty="0"/>
+              <a:t>Questions: </a:t>
+            </a:r>
+            <a:r>
+              <a:rPr lang="en-US" sz="2000" dirty="0"/>
+              <a:t>Are there any differences between average price of the data and distance traveled? </a:t>
+            </a:r>
+          </a:p>
+        </p:txBody>
+      </p:sp>
     </p:spTree>
     <p:extLst>
       <p:ext uri="{BB962C8B-B14F-4D97-AF65-F5344CB8AC3E}">
@@ -7520,7 +7661,7 @@
         </p:spPr>
         <p:txBody>
           <a:bodyPr vert="horz" lIns="91440" tIns="45720" rIns="91440" bIns="45720" rtlCol="0">
-            <a:normAutofit fontScale="85000" lnSpcReduction="10000"/>
+            <a:normAutofit fontScale="77500" lnSpcReduction="20000"/>
           </a:bodyPr>
           <a:lstStyle>
             <a:lvl1pPr marL="384048" indent="-384048" algn="l" defTabSz="914400" rtl="0" eaLnBrk="1" latinLnBrk="0" hangingPunct="1">
@@ -7776,13 +7917,26 @@
           </a:p>
           <a:p>
             <a:r>
-              <a:rPr lang="en-US" b="1" dirty="0"/>
+              <a:rPr lang="en-US" sz="2000" b="1" u="sng" dirty="0"/>
+              <a:t>Questions: </a:t>
+            </a:r>
+            <a:r>
+              <a:rPr lang="en-US" sz="2000" b="1" dirty="0"/>
+              <a:t>Are there any differences between average price of the data and distance traveled? </a:t>
+            </a:r>
+            <a:endParaRPr lang="en-US" b="1" dirty="0"/>
+          </a:p>
+          <a:p>
+            <a:pPr lvl="1"/>
+            <a:r>
+              <a:rPr lang="en-US" dirty="0"/>
               <a:t>Lyft has the highest amount of average price than Uber as the distance increased.</a:t>
             </a:r>
           </a:p>
           <a:p>
-            <a:r>
-              <a:rPr lang="en-US" b="1" dirty="0"/>
+            <a:pPr lvl="1"/>
+            <a:r>
+              <a:rPr lang="en-US" dirty="0"/>
               <a:t>Both average prices are increasing as the distance traveled increases.</a:t>
             </a:r>
           </a:p>
